--- a/Documents/[김세윤]치명타_적용방식_1121.pptx
+++ b/Documents/[김세윤]치명타_적용방식_1121.pptx
@@ -258,7 +258,7 @@
       </p15:sldGuideLst>
     </p:ext>
     <p:ext uri="http://customooxmlschemas.google.com/">
-      <go:slidesCustomData xmlns="" xmlns:mc="http://schemas.openxmlformats.org/markup-compatibility/2006" xmlns:mv="urn:schemas-microsoft-com:mac:vml" xmlns:c="http://schemas.openxmlformats.org/drawingml/2006/chart" xmlns:dgm="http://schemas.openxmlformats.org/drawingml/2006/diagram" xmlns:o="urn:schemas-microsoft-com:office:office" xmlns:v="urn:schemas-microsoft-com:vml" xmlns:pvml="urn:schemas-microsoft-com:office:powerpoint" xmlns:com="http://schemas.openxmlformats.org/drawingml/2006/compatibility" xmlns:p14="http://schemas.microsoft.com/office/powerpoint/2010/main" xmlns:p15="http://schemas.microsoft.com/office/powerpoint/2012/main" xmlns:ahyp="http://schemas.microsoft.com/office/drawing/2018/hyperlinkcolor" xmlns:go="http://customooxmlschemas.google.com/" r:id="rId16" roundtripDataSignature="AMtx7mhKmedLHE+j2ZCv6+rLSlM+PU20Vg=="/>
+      <go:slidesCustomData xmlns:go="http://customooxmlschemas.google.com/" xmlns:ahyp="http://schemas.microsoft.com/office/drawing/2018/hyperlinkcolor" xmlns:p15="http://schemas.microsoft.com/office/powerpoint/2012/main" xmlns:p14="http://schemas.microsoft.com/office/powerpoint/2010/main" xmlns:com="http://schemas.openxmlformats.org/drawingml/2006/compatibility" xmlns:pvml="urn:schemas-microsoft-com:office:powerpoint" xmlns:v="urn:schemas-microsoft-com:vml" xmlns:o="urn:schemas-microsoft-com:office:office" xmlns:dgm="http://schemas.openxmlformats.org/drawingml/2006/diagram" xmlns:c="http://schemas.openxmlformats.org/drawingml/2006/chart" xmlns:mv="urn:schemas-microsoft-com:mac:vml" xmlns:mc="http://schemas.openxmlformats.org/markup-compatibility/2006" xmlns="" r:id="rId16" roundtripDataSignature="AMtx7mhKmedLHE+j2ZCv6+rLSlM+PU20Vg=="/>
     </p:ext>
   </p:extLst>
 </p:presentation>
@@ -12850,42 +12850,6 @@
               <a:t>대미지</a:t>
             </a:r>
             <a:r>
-              <a:rPr lang="ko-KR" altLang="en-US" sz="1200" dirty="0">
-                <a:solidFill>
-                  <a:schemeClr val="dk1"/>
-                </a:solidFill>
-                <a:latin typeface="Malgun Gothic"/>
-                <a:ea typeface="Malgun Gothic"/>
-                <a:cs typeface="Malgun Gothic"/>
-                <a:sym typeface="Malgun Gothic"/>
-              </a:rPr>
-              <a:t> </a:t>
-            </a:r>
-            <a:r>
-              <a:rPr lang="en-US" altLang="ko-KR" sz="1200" dirty="0">
-                <a:solidFill>
-                  <a:schemeClr val="dk1"/>
-                </a:solidFill>
-                <a:latin typeface="Malgun Gothic"/>
-                <a:ea typeface="Malgun Gothic"/>
-                <a:cs typeface="Malgun Gothic"/>
-                <a:sym typeface="Malgun Gothic"/>
-              </a:rPr>
-              <a:t>- </a:t>
-            </a:r>
-            <a:r>
-              <a:rPr lang="ko-KR" altLang="en-US" sz="1200" dirty="0">
-                <a:solidFill>
-                  <a:schemeClr val="dk1"/>
-                </a:solidFill>
-                <a:latin typeface="Malgun Gothic"/>
-                <a:ea typeface="Malgun Gothic"/>
-                <a:cs typeface="Malgun Gothic"/>
-                <a:sym typeface="Malgun Gothic"/>
-              </a:rPr>
-              <a:t>방어력</a:t>
-            </a:r>
-            <a:r>
               <a:rPr lang="en-US" altLang="ko-KR" sz="1200" dirty="0">
                 <a:solidFill>
                   <a:schemeClr val="dk1"/>
@@ -12979,10 +12943,10 @@
                 <a:cs typeface="Malgun Gothic"/>
                 <a:sym typeface="Malgun Gothic"/>
               </a:rPr>
-              <a:t>이 계산된 뒤에 치명타 확률 계산을 진행한다</a:t>
+              <a:t>이 계산된 뒤에 치명타 확률 계산을 진행하며 치명타 계산이 끝난 뒤에 방어력을 적용한다</a:t>
             </a:r>
             <a:r>
-              <a:rPr lang="en-US" altLang="ko-KR" sz="1200" dirty="0">
+              <a:rPr lang="en-US" altLang="ko-KR" sz="1200">
                 <a:solidFill>
                   <a:schemeClr val="dk1"/>
                 </a:solidFill>
@@ -12993,6 +12957,15 @@
               </a:rPr>
               <a:t>.</a:t>
             </a:r>
+            <a:endParaRPr lang="en-US" altLang="ko-KR" sz="1200" dirty="0">
+              <a:solidFill>
+                <a:schemeClr val="dk1"/>
+              </a:solidFill>
+              <a:latin typeface="Malgun Gothic"/>
+              <a:ea typeface="Malgun Gothic"/>
+              <a:cs typeface="Malgun Gothic"/>
+              <a:sym typeface="Malgun Gothic"/>
+            </a:endParaRPr>
           </a:p>
           <a:p>
             <a:pPr marL="171450" lvl="8" indent="-171450">
